--- a/thumbnail.pptx
+++ b/thumbnail.pptx
@@ -7,6 +7,8 @@
   <p:sldIdLst>
     <p:sldId id="256" r:id="rId2"/>
     <p:sldId id="257" r:id="rId3"/>
+    <p:sldId id="259" r:id="rId4"/>
+    <p:sldId id="258" r:id="rId5"/>
   </p:sldIdLst>
   <p:sldSz cx="12192000" cy="6858000"/>
   <p:notesSz cx="6858000" cy="9144000"/>
@@ -362,7 +364,7 @@
           <a:p>
             <a:fld id="{FB6A871C-A964-499C-A15A-6ECACBA3A054}" type="datetimeFigureOut">
               <a:rPr lang="en-ID" smtClean="0"/>
-              <a:t>22/10/2025</a:t>
+              <a:t>23/10/2025</a:t>
             </a:fld>
             <a:endParaRPr lang="en-ID"/>
           </a:p>
@@ -562,7 +564,7 @@
           <a:p>
             <a:fld id="{FB6A871C-A964-499C-A15A-6ECACBA3A054}" type="datetimeFigureOut">
               <a:rPr lang="en-ID" smtClean="0"/>
-              <a:t>22/10/2025</a:t>
+              <a:t>23/10/2025</a:t>
             </a:fld>
             <a:endParaRPr lang="en-ID"/>
           </a:p>
@@ -772,7 +774,7 @@
           <a:p>
             <a:fld id="{FB6A871C-A964-499C-A15A-6ECACBA3A054}" type="datetimeFigureOut">
               <a:rPr lang="en-ID" smtClean="0"/>
-              <a:t>22/10/2025</a:t>
+              <a:t>23/10/2025</a:t>
             </a:fld>
             <a:endParaRPr lang="en-ID"/>
           </a:p>
@@ -972,7 +974,7 @@
           <a:p>
             <a:fld id="{FB6A871C-A964-499C-A15A-6ECACBA3A054}" type="datetimeFigureOut">
               <a:rPr lang="en-ID" smtClean="0"/>
-              <a:t>22/10/2025</a:t>
+              <a:t>23/10/2025</a:t>
             </a:fld>
             <a:endParaRPr lang="en-ID"/>
           </a:p>
@@ -1248,7 +1250,7 @@
           <a:p>
             <a:fld id="{FB6A871C-A964-499C-A15A-6ECACBA3A054}" type="datetimeFigureOut">
               <a:rPr lang="en-ID" smtClean="0"/>
-              <a:t>22/10/2025</a:t>
+              <a:t>23/10/2025</a:t>
             </a:fld>
             <a:endParaRPr lang="en-ID"/>
           </a:p>
@@ -1516,7 +1518,7 @@
           <a:p>
             <a:fld id="{FB6A871C-A964-499C-A15A-6ECACBA3A054}" type="datetimeFigureOut">
               <a:rPr lang="en-ID" smtClean="0"/>
-              <a:t>22/10/2025</a:t>
+              <a:t>23/10/2025</a:t>
             </a:fld>
             <a:endParaRPr lang="en-ID"/>
           </a:p>
@@ -1931,7 +1933,7 @@
           <a:p>
             <a:fld id="{FB6A871C-A964-499C-A15A-6ECACBA3A054}" type="datetimeFigureOut">
               <a:rPr lang="en-ID" smtClean="0"/>
-              <a:t>22/10/2025</a:t>
+              <a:t>23/10/2025</a:t>
             </a:fld>
             <a:endParaRPr lang="en-ID"/>
           </a:p>
@@ -2073,7 +2075,7 @@
           <a:p>
             <a:fld id="{FB6A871C-A964-499C-A15A-6ECACBA3A054}" type="datetimeFigureOut">
               <a:rPr lang="en-ID" smtClean="0"/>
-              <a:t>22/10/2025</a:t>
+              <a:t>23/10/2025</a:t>
             </a:fld>
             <a:endParaRPr lang="en-ID"/>
           </a:p>
@@ -2186,7 +2188,7 @@
           <a:p>
             <a:fld id="{FB6A871C-A964-499C-A15A-6ECACBA3A054}" type="datetimeFigureOut">
               <a:rPr lang="en-ID" smtClean="0"/>
-              <a:t>22/10/2025</a:t>
+              <a:t>23/10/2025</a:t>
             </a:fld>
             <a:endParaRPr lang="en-ID"/>
           </a:p>
@@ -2499,7 +2501,7 @@
           <a:p>
             <a:fld id="{FB6A871C-A964-499C-A15A-6ECACBA3A054}" type="datetimeFigureOut">
               <a:rPr lang="en-ID" smtClean="0"/>
-              <a:t>22/10/2025</a:t>
+              <a:t>23/10/2025</a:t>
             </a:fld>
             <a:endParaRPr lang="en-ID"/>
           </a:p>
@@ -2788,7 +2790,7 @@
           <a:p>
             <a:fld id="{FB6A871C-A964-499C-A15A-6ECACBA3A054}" type="datetimeFigureOut">
               <a:rPr lang="en-ID" smtClean="0"/>
-              <a:t>22/10/2025</a:t>
+              <a:t>23/10/2025</a:t>
             </a:fld>
             <a:endParaRPr lang="en-ID"/>
           </a:p>
@@ -3031,7 +3033,7 @@
           <a:p>
             <a:fld id="{FB6A871C-A964-499C-A15A-6ECACBA3A054}" type="datetimeFigureOut">
               <a:rPr lang="en-ID" smtClean="0"/>
-              <a:t>22/10/2025</a:t>
+              <a:t>23/10/2025</a:t>
             </a:fld>
             <a:endParaRPr lang="en-ID"/>
           </a:p>
@@ -3705,6 +3707,278 @@
 </p:sld>
 </file>
 
+<file path=ppt/slides/slide3.xml><?xml version="1.0" encoding="utf-8"?>
+<p:sld xmlns:a="http://schemas.openxmlformats.org/drawingml/2006/main" xmlns:r="http://schemas.openxmlformats.org/officeDocument/2006/relationships" xmlns:p="http://schemas.openxmlformats.org/presentationml/2006/main">
+  <p:cSld>
+    <p:spTree>
+      <p:nvGrpSpPr>
+        <p:cNvPr id="1" name="">
+          <a:extLst>
+            <a:ext uri="{FF2B5EF4-FFF2-40B4-BE49-F238E27FC236}">
+              <a16:creationId xmlns:a16="http://schemas.microsoft.com/office/drawing/2014/main" id="{08726465-3210-188E-C824-7C7D0C0E13BF}"/>
+            </a:ext>
+          </a:extLst>
+        </p:cNvPr>
+        <p:cNvGrpSpPr/>
+        <p:nvPr/>
+      </p:nvGrpSpPr>
+      <p:grpSpPr>
+        <a:xfrm>
+          <a:off x="0" y="0"/>
+          <a:ext cx="0" cy="0"/>
+          <a:chOff x="0" y="0"/>
+          <a:chExt cx="0" cy="0"/>
+        </a:xfrm>
+      </p:grpSpPr>
+      <p:grpSp>
+        <p:nvGrpSpPr>
+          <p:cNvPr id="6" name="Group 5">
+            <a:extLst>
+              <a:ext uri="{FF2B5EF4-FFF2-40B4-BE49-F238E27FC236}">
+                <a16:creationId xmlns:a16="http://schemas.microsoft.com/office/drawing/2014/main" id="{A85AA1D1-5AB4-35A6-65B7-09D04B281CD1}"/>
+              </a:ext>
+            </a:extLst>
+          </p:cNvPr>
+          <p:cNvGrpSpPr/>
+          <p:nvPr/>
+        </p:nvGrpSpPr>
+        <p:grpSpPr>
+          <a:xfrm>
+            <a:off x="2856000" y="1079770"/>
+            <a:ext cx="6480000" cy="5040000"/>
+            <a:chOff x="2856000" y="1079770"/>
+            <a:chExt cx="6480000" cy="5040000"/>
+          </a:xfrm>
+        </p:grpSpPr>
+        <p:grpSp>
+          <p:nvGrpSpPr>
+            <p:cNvPr id="2" name="Group 1">
+              <a:extLst>
+                <a:ext uri="{FF2B5EF4-FFF2-40B4-BE49-F238E27FC236}">
+                  <a16:creationId xmlns:a16="http://schemas.microsoft.com/office/drawing/2014/main" id="{B197E074-7FD4-1044-3B7F-FFA3A2AFB249}"/>
+                </a:ext>
+              </a:extLst>
+            </p:cNvPr>
+            <p:cNvGrpSpPr/>
+            <p:nvPr/>
+          </p:nvGrpSpPr>
+          <p:grpSpPr>
+            <a:xfrm>
+              <a:off x="2856000" y="1079770"/>
+              <a:ext cx="6480000" cy="5040000"/>
+              <a:chOff x="2856000" y="1079770"/>
+              <a:chExt cx="6480000" cy="5040000"/>
+            </a:xfrm>
+          </p:grpSpPr>
+          <p:pic>
+            <p:nvPicPr>
+              <p:cNvPr id="5" name="Picture 4" descr="A close-up of a plant&#10;&#10;AI-generated content may be incorrect.">
+                <a:extLst>
+                  <a:ext uri="{FF2B5EF4-FFF2-40B4-BE49-F238E27FC236}">
+                    <a16:creationId xmlns:a16="http://schemas.microsoft.com/office/drawing/2014/main" id="{A801A1E4-04AF-4237-BBB5-3DE81D08ECD9}"/>
+                  </a:ext>
+                </a:extLst>
+              </p:cNvPr>
+              <p:cNvPicPr>
+                <a:picLocks noChangeAspect="1"/>
+              </p:cNvPicPr>
+              <p:nvPr/>
+            </p:nvPicPr>
+            <p:blipFill>
+              <a:blip r:embed="rId2">
+                <a:extLst>
+                  <a:ext uri="{28A0092B-C50C-407E-A947-70E740481C1C}">
+                    <a14:useLocalDpi xmlns:a14="http://schemas.microsoft.com/office/drawing/2010/main" val="0"/>
+                  </a:ext>
+                </a:extLst>
+              </a:blip>
+              <a:stretch>
+                <a:fillRect/>
+              </a:stretch>
+            </p:blipFill>
+            <p:spPr>
+              <a:xfrm>
+                <a:off x="2856000" y="1079770"/>
+                <a:ext cx="6480000" cy="5040000"/>
+              </a:xfrm>
+              <a:prstGeom prst="rect">
+                <a:avLst/>
+              </a:prstGeom>
+            </p:spPr>
+          </p:pic>
+          <p:sp>
+            <p:nvSpPr>
+              <p:cNvPr id="8" name="TextBox 7">
+                <a:extLst>
+                  <a:ext uri="{FF2B5EF4-FFF2-40B4-BE49-F238E27FC236}">
+                    <a16:creationId xmlns:a16="http://schemas.microsoft.com/office/drawing/2014/main" id="{6940ED3A-ECE2-5B16-305F-BB55670C6AD5}"/>
+                  </a:ext>
+                </a:extLst>
+              </p:cNvPr>
+              <p:cNvSpPr txBox="1"/>
+              <p:nvPr/>
+            </p:nvSpPr>
+            <p:spPr>
+              <a:xfrm>
+                <a:off x="2892425" y="1616075"/>
+                <a:ext cx="5808554" cy="1077218"/>
+              </a:xfrm>
+              <a:prstGeom prst="rect">
+                <a:avLst/>
+              </a:prstGeom>
+              <a:noFill/>
+            </p:spPr>
+            <p:txBody>
+              <a:bodyPr wrap="square" rtlCol="0">
+                <a:spAutoFit/>
+              </a:bodyPr>
+              <a:lstStyle/>
+              <a:p>
+                <a:r>
+                  <a:rPr lang="en-US" sz="3200" b="1" dirty="0">
+                    <a:latin typeface="Arial" panose="020B0604020202020204" pitchFamily="34" charset="0"/>
+                    <a:cs typeface="Arial" panose="020B0604020202020204" pitchFamily="34" charset="0"/>
+                  </a:rPr>
+                  <a:t>Backend Go For Hydroponic System PART #1</a:t>
+                </a:r>
+                <a:endParaRPr lang="en-ID" sz="3200" b="1" dirty="0">
+                  <a:latin typeface="Arial" panose="020B0604020202020204" pitchFamily="34" charset="0"/>
+                  <a:cs typeface="Arial" panose="020B0604020202020204" pitchFamily="34" charset="0"/>
+                </a:endParaRPr>
+              </a:p>
+            </p:txBody>
+          </p:sp>
+        </p:grpSp>
+        <p:pic>
+          <p:nvPicPr>
+            <p:cNvPr id="4" name="Picture 3" descr="A cartoon of a blue animal&#10;&#10;AI-generated content may be incorrect.">
+              <a:extLst>
+                <a:ext uri="{FF2B5EF4-FFF2-40B4-BE49-F238E27FC236}">
+                  <a16:creationId xmlns:a16="http://schemas.microsoft.com/office/drawing/2014/main" id="{AE53942F-39DB-D169-6833-E2D7A3DF2A6A}"/>
+                </a:ext>
+              </a:extLst>
+            </p:cNvPr>
+            <p:cNvPicPr>
+              <a:picLocks noChangeAspect="1"/>
+            </p:cNvPicPr>
+            <p:nvPr/>
+          </p:nvPicPr>
+          <p:blipFill>
+            <a:blip r:embed="rId3">
+              <a:extLst>
+                <a:ext uri="{28A0092B-C50C-407E-A947-70E740481C1C}">
+                  <a14:useLocalDpi xmlns:a14="http://schemas.microsoft.com/office/drawing/2010/main" val="0"/>
+                </a:ext>
+              </a:extLst>
+            </a:blip>
+            <a:stretch>
+              <a:fillRect/>
+            </a:stretch>
+          </p:blipFill>
+          <p:spPr>
+            <a:xfrm>
+              <a:off x="3391617" y="2881094"/>
+              <a:ext cx="2607740" cy="2607740"/>
+            </a:xfrm>
+            <a:prstGeom prst="rect">
+              <a:avLst/>
+            </a:prstGeom>
+          </p:spPr>
+        </p:pic>
+      </p:grpSp>
+    </p:spTree>
+    <p:extLst>
+      <p:ext uri="{BB962C8B-B14F-4D97-AF65-F5344CB8AC3E}">
+        <p14:creationId xmlns:p14="http://schemas.microsoft.com/office/powerpoint/2010/main" val="4020489797"/>
+      </p:ext>
+    </p:extLst>
+  </p:cSld>
+  <p:clrMapOvr>
+    <a:masterClrMapping/>
+  </p:clrMapOvr>
+</p:sld>
+</file>
+
+<file path=ppt/slides/slide4.xml><?xml version="1.0" encoding="utf-8"?>
+<p:sld xmlns:a="http://schemas.openxmlformats.org/drawingml/2006/main" xmlns:r="http://schemas.openxmlformats.org/officeDocument/2006/relationships" xmlns:p="http://schemas.openxmlformats.org/presentationml/2006/main">
+  <p:cSld>
+    <p:spTree>
+      <p:nvGrpSpPr>
+        <p:cNvPr id="1" name=""/>
+        <p:cNvGrpSpPr/>
+        <p:nvPr/>
+      </p:nvGrpSpPr>
+      <p:grpSpPr>
+        <a:xfrm>
+          <a:off x="0" y="0"/>
+          <a:ext cx="0" cy="0"/>
+          <a:chOff x="0" y="0"/>
+          <a:chExt cx="0" cy="0"/>
+        </a:xfrm>
+      </p:grpSpPr>
+      <p:sp>
+        <p:nvSpPr>
+          <p:cNvPr id="2" name="Title 1">
+            <a:extLst>
+              <a:ext uri="{FF2B5EF4-FFF2-40B4-BE49-F238E27FC236}">
+                <a16:creationId xmlns:a16="http://schemas.microsoft.com/office/drawing/2014/main" id="{1D97134B-D682-A1EB-6007-BB894845F603}"/>
+              </a:ext>
+            </a:extLst>
+          </p:cNvPr>
+          <p:cNvSpPr>
+            <a:spLocks noGrp="1"/>
+          </p:cNvSpPr>
+          <p:nvPr>
+            <p:ph type="title"/>
+          </p:nvPr>
+        </p:nvSpPr>
+        <p:spPr/>
+        <p:txBody>
+          <a:bodyPr/>
+          <a:lstStyle/>
+          <a:p>
+            <a:endParaRPr lang="en-ID"/>
+          </a:p>
+        </p:txBody>
+      </p:sp>
+      <p:sp>
+        <p:nvSpPr>
+          <p:cNvPr id="3" name="Content Placeholder 2">
+            <a:extLst>
+              <a:ext uri="{FF2B5EF4-FFF2-40B4-BE49-F238E27FC236}">
+                <a16:creationId xmlns:a16="http://schemas.microsoft.com/office/drawing/2014/main" id="{DE9048EA-05D9-24C4-8D2E-B53E828D727F}"/>
+              </a:ext>
+            </a:extLst>
+          </p:cNvPr>
+          <p:cNvSpPr>
+            <a:spLocks noGrp="1"/>
+          </p:cNvSpPr>
+          <p:nvPr>
+            <p:ph idx="1"/>
+          </p:nvPr>
+        </p:nvSpPr>
+        <p:spPr/>
+        <p:txBody>
+          <a:bodyPr/>
+          <a:lstStyle/>
+          <a:p>
+            <a:endParaRPr lang="en-ID"/>
+          </a:p>
+        </p:txBody>
+      </p:sp>
+    </p:spTree>
+    <p:extLst>
+      <p:ext uri="{BB962C8B-B14F-4D97-AF65-F5344CB8AC3E}">
+        <p14:creationId xmlns:p14="http://schemas.microsoft.com/office/powerpoint/2010/main" val="471591211"/>
+      </p:ext>
+    </p:extLst>
+  </p:cSld>
+  <p:clrMapOvr>
+    <a:masterClrMapping/>
+  </p:clrMapOvr>
+</p:sld>
+</file>
+
 <file path=ppt/theme/theme1.xml><?xml version="1.0" encoding="utf-8"?>
 <a:theme xmlns:a="http://schemas.openxmlformats.org/drawingml/2006/main" name="Office Theme">
   <a:themeElements>

--- a/thumbnail.pptx
+++ b/thumbnail.pptx
@@ -364,7 +364,7 @@
           <a:p>
             <a:fld id="{FB6A871C-A964-499C-A15A-6ECACBA3A054}" type="datetimeFigureOut">
               <a:rPr lang="en-ID" smtClean="0"/>
-              <a:t>23/10/2025</a:t>
+              <a:t>24/10/2025</a:t>
             </a:fld>
             <a:endParaRPr lang="en-ID"/>
           </a:p>
@@ -564,7 +564,7 @@
           <a:p>
             <a:fld id="{FB6A871C-A964-499C-A15A-6ECACBA3A054}" type="datetimeFigureOut">
               <a:rPr lang="en-ID" smtClean="0"/>
-              <a:t>23/10/2025</a:t>
+              <a:t>24/10/2025</a:t>
             </a:fld>
             <a:endParaRPr lang="en-ID"/>
           </a:p>
@@ -774,7 +774,7 @@
           <a:p>
             <a:fld id="{FB6A871C-A964-499C-A15A-6ECACBA3A054}" type="datetimeFigureOut">
               <a:rPr lang="en-ID" smtClean="0"/>
-              <a:t>23/10/2025</a:t>
+              <a:t>24/10/2025</a:t>
             </a:fld>
             <a:endParaRPr lang="en-ID"/>
           </a:p>
@@ -974,7 +974,7 @@
           <a:p>
             <a:fld id="{FB6A871C-A964-499C-A15A-6ECACBA3A054}" type="datetimeFigureOut">
               <a:rPr lang="en-ID" smtClean="0"/>
-              <a:t>23/10/2025</a:t>
+              <a:t>24/10/2025</a:t>
             </a:fld>
             <a:endParaRPr lang="en-ID"/>
           </a:p>
@@ -1250,7 +1250,7 @@
           <a:p>
             <a:fld id="{FB6A871C-A964-499C-A15A-6ECACBA3A054}" type="datetimeFigureOut">
               <a:rPr lang="en-ID" smtClean="0"/>
-              <a:t>23/10/2025</a:t>
+              <a:t>24/10/2025</a:t>
             </a:fld>
             <a:endParaRPr lang="en-ID"/>
           </a:p>
@@ -1518,7 +1518,7 @@
           <a:p>
             <a:fld id="{FB6A871C-A964-499C-A15A-6ECACBA3A054}" type="datetimeFigureOut">
               <a:rPr lang="en-ID" smtClean="0"/>
-              <a:t>23/10/2025</a:t>
+              <a:t>24/10/2025</a:t>
             </a:fld>
             <a:endParaRPr lang="en-ID"/>
           </a:p>
@@ -1933,7 +1933,7 @@
           <a:p>
             <a:fld id="{FB6A871C-A964-499C-A15A-6ECACBA3A054}" type="datetimeFigureOut">
               <a:rPr lang="en-ID" smtClean="0"/>
-              <a:t>23/10/2025</a:t>
+              <a:t>24/10/2025</a:t>
             </a:fld>
             <a:endParaRPr lang="en-ID"/>
           </a:p>
@@ -2075,7 +2075,7 @@
           <a:p>
             <a:fld id="{FB6A871C-A964-499C-A15A-6ECACBA3A054}" type="datetimeFigureOut">
               <a:rPr lang="en-ID" smtClean="0"/>
-              <a:t>23/10/2025</a:t>
+              <a:t>24/10/2025</a:t>
             </a:fld>
             <a:endParaRPr lang="en-ID"/>
           </a:p>
@@ -2188,7 +2188,7 @@
           <a:p>
             <a:fld id="{FB6A871C-A964-499C-A15A-6ECACBA3A054}" type="datetimeFigureOut">
               <a:rPr lang="en-ID" smtClean="0"/>
-              <a:t>23/10/2025</a:t>
+              <a:t>24/10/2025</a:t>
             </a:fld>
             <a:endParaRPr lang="en-ID"/>
           </a:p>
@@ -2501,7 +2501,7 @@
           <a:p>
             <a:fld id="{FB6A871C-A964-499C-A15A-6ECACBA3A054}" type="datetimeFigureOut">
               <a:rPr lang="en-ID" smtClean="0"/>
-              <a:t>23/10/2025</a:t>
+              <a:t>24/10/2025</a:t>
             </a:fld>
             <a:endParaRPr lang="en-ID"/>
           </a:p>
@@ -2790,7 +2790,7 @@
           <a:p>
             <a:fld id="{FB6A871C-A964-499C-A15A-6ECACBA3A054}" type="datetimeFigureOut">
               <a:rPr lang="en-ID" smtClean="0"/>
-              <a:t>23/10/2025</a:t>
+              <a:t>24/10/2025</a:t>
             </a:fld>
             <a:endParaRPr lang="en-ID"/>
           </a:p>
@@ -3033,7 +3033,7 @@
           <a:p>
             <a:fld id="{FB6A871C-A964-499C-A15A-6ECACBA3A054}" type="datetimeFigureOut">
               <a:rPr lang="en-ID" smtClean="0"/>
-              <a:t>23/10/2025</a:t>
+              <a:t>24/10/2025</a:t>
             </a:fld>
             <a:endParaRPr lang="en-ID"/>
           </a:p>
@@ -3839,7 +3839,7 @@
                     <a:latin typeface="Arial" panose="020B0604020202020204" pitchFamily="34" charset="0"/>
                     <a:cs typeface="Arial" panose="020B0604020202020204" pitchFamily="34" charset="0"/>
                   </a:rPr>
-                  <a:t>Backend Go For Hydroponic System PART #1</a:t>
+                  <a:t>Backend Go For Hydroponic System PART #2</a:t>
                 </a:r>
                 <a:endParaRPr lang="en-ID" sz="3200" b="1" dirty="0">
                   <a:latin typeface="Arial" panose="020B0604020202020204" pitchFamily="34" charset="0"/>

--- a/thumbnail.pptx
+++ b/thumbnail.pptx
@@ -364,7 +364,7 @@
           <a:p>
             <a:fld id="{FB6A871C-A964-499C-A15A-6ECACBA3A054}" type="datetimeFigureOut">
               <a:rPr lang="en-ID" smtClean="0"/>
-              <a:t>24/10/2025</a:t>
+              <a:t>28/10/2025</a:t>
             </a:fld>
             <a:endParaRPr lang="en-ID"/>
           </a:p>
@@ -564,7 +564,7 @@
           <a:p>
             <a:fld id="{FB6A871C-A964-499C-A15A-6ECACBA3A054}" type="datetimeFigureOut">
               <a:rPr lang="en-ID" smtClean="0"/>
-              <a:t>24/10/2025</a:t>
+              <a:t>28/10/2025</a:t>
             </a:fld>
             <a:endParaRPr lang="en-ID"/>
           </a:p>
@@ -774,7 +774,7 @@
           <a:p>
             <a:fld id="{FB6A871C-A964-499C-A15A-6ECACBA3A054}" type="datetimeFigureOut">
               <a:rPr lang="en-ID" smtClean="0"/>
-              <a:t>24/10/2025</a:t>
+              <a:t>28/10/2025</a:t>
             </a:fld>
             <a:endParaRPr lang="en-ID"/>
           </a:p>
@@ -974,7 +974,7 @@
           <a:p>
             <a:fld id="{FB6A871C-A964-499C-A15A-6ECACBA3A054}" type="datetimeFigureOut">
               <a:rPr lang="en-ID" smtClean="0"/>
-              <a:t>24/10/2025</a:t>
+              <a:t>28/10/2025</a:t>
             </a:fld>
             <a:endParaRPr lang="en-ID"/>
           </a:p>
@@ -1250,7 +1250,7 @@
           <a:p>
             <a:fld id="{FB6A871C-A964-499C-A15A-6ECACBA3A054}" type="datetimeFigureOut">
               <a:rPr lang="en-ID" smtClean="0"/>
-              <a:t>24/10/2025</a:t>
+              <a:t>28/10/2025</a:t>
             </a:fld>
             <a:endParaRPr lang="en-ID"/>
           </a:p>
@@ -1518,7 +1518,7 @@
           <a:p>
             <a:fld id="{FB6A871C-A964-499C-A15A-6ECACBA3A054}" type="datetimeFigureOut">
               <a:rPr lang="en-ID" smtClean="0"/>
-              <a:t>24/10/2025</a:t>
+              <a:t>28/10/2025</a:t>
             </a:fld>
             <a:endParaRPr lang="en-ID"/>
           </a:p>
@@ -1933,7 +1933,7 @@
           <a:p>
             <a:fld id="{FB6A871C-A964-499C-A15A-6ECACBA3A054}" type="datetimeFigureOut">
               <a:rPr lang="en-ID" smtClean="0"/>
-              <a:t>24/10/2025</a:t>
+              <a:t>28/10/2025</a:t>
             </a:fld>
             <a:endParaRPr lang="en-ID"/>
           </a:p>
@@ -2075,7 +2075,7 @@
           <a:p>
             <a:fld id="{FB6A871C-A964-499C-A15A-6ECACBA3A054}" type="datetimeFigureOut">
               <a:rPr lang="en-ID" smtClean="0"/>
-              <a:t>24/10/2025</a:t>
+              <a:t>28/10/2025</a:t>
             </a:fld>
             <a:endParaRPr lang="en-ID"/>
           </a:p>
@@ -2188,7 +2188,7 @@
           <a:p>
             <a:fld id="{FB6A871C-A964-499C-A15A-6ECACBA3A054}" type="datetimeFigureOut">
               <a:rPr lang="en-ID" smtClean="0"/>
-              <a:t>24/10/2025</a:t>
+              <a:t>28/10/2025</a:t>
             </a:fld>
             <a:endParaRPr lang="en-ID"/>
           </a:p>
@@ -2501,7 +2501,7 @@
           <a:p>
             <a:fld id="{FB6A871C-A964-499C-A15A-6ECACBA3A054}" type="datetimeFigureOut">
               <a:rPr lang="en-ID" smtClean="0"/>
-              <a:t>24/10/2025</a:t>
+              <a:t>28/10/2025</a:t>
             </a:fld>
             <a:endParaRPr lang="en-ID"/>
           </a:p>
@@ -2790,7 +2790,7 @@
           <a:p>
             <a:fld id="{FB6A871C-A964-499C-A15A-6ECACBA3A054}" type="datetimeFigureOut">
               <a:rPr lang="en-ID" smtClean="0"/>
-              <a:t>24/10/2025</a:t>
+              <a:t>28/10/2025</a:t>
             </a:fld>
             <a:endParaRPr lang="en-ID"/>
           </a:p>
@@ -3033,7 +3033,7 @@
           <a:p>
             <a:fld id="{FB6A871C-A964-499C-A15A-6ECACBA3A054}" type="datetimeFigureOut">
               <a:rPr lang="en-ID" smtClean="0"/>
-              <a:t>24/10/2025</a:t>
+              <a:t>28/10/2025</a:t>
             </a:fld>
             <a:endParaRPr lang="en-ID"/>
           </a:p>
@@ -3839,7 +3839,14 @@
                     <a:latin typeface="Arial" panose="020B0604020202020204" pitchFamily="34" charset="0"/>
                     <a:cs typeface="Arial" panose="020B0604020202020204" pitchFamily="34" charset="0"/>
                   </a:rPr>
-                  <a:t>Backend Go For Hydroponic System PART #2</a:t>
+                  <a:t>Backend Go For Hydroponic System </a:t>
+                </a:r>
+                <a:r>
+                  <a:rPr lang="en-US" sz="3200" b="1">
+                    <a:latin typeface="Arial" panose="020B0604020202020204" pitchFamily="34" charset="0"/>
+                    <a:cs typeface="Arial" panose="020B0604020202020204" pitchFamily="34" charset="0"/>
+                  </a:rPr>
+                  <a:t>PART #5</a:t>
                 </a:r>
                 <a:endParaRPr lang="en-ID" sz="3200" b="1" dirty="0">
                   <a:latin typeface="Arial" panose="020B0604020202020204" pitchFamily="34" charset="0"/>

--- a/thumbnail.pptx
+++ b/thumbnail.pptx
@@ -364,7 +364,7 @@
           <a:p>
             <a:fld id="{FB6A871C-A964-499C-A15A-6ECACBA3A054}" type="datetimeFigureOut">
               <a:rPr lang="en-ID" smtClean="0"/>
-              <a:t>28/10/2025</a:t>
+              <a:t>30/10/2025</a:t>
             </a:fld>
             <a:endParaRPr lang="en-ID"/>
           </a:p>
@@ -564,7 +564,7 @@
           <a:p>
             <a:fld id="{FB6A871C-A964-499C-A15A-6ECACBA3A054}" type="datetimeFigureOut">
               <a:rPr lang="en-ID" smtClean="0"/>
-              <a:t>28/10/2025</a:t>
+              <a:t>30/10/2025</a:t>
             </a:fld>
             <a:endParaRPr lang="en-ID"/>
           </a:p>
@@ -774,7 +774,7 @@
           <a:p>
             <a:fld id="{FB6A871C-A964-499C-A15A-6ECACBA3A054}" type="datetimeFigureOut">
               <a:rPr lang="en-ID" smtClean="0"/>
-              <a:t>28/10/2025</a:t>
+              <a:t>30/10/2025</a:t>
             </a:fld>
             <a:endParaRPr lang="en-ID"/>
           </a:p>
@@ -974,7 +974,7 @@
           <a:p>
             <a:fld id="{FB6A871C-A964-499C-A15A-6ECACBA3A054}" type="datetimeFigureOut">
               <a:rPr lang="en-ID" smtClean="0"/>
-              <a:t>28/10/2025</a:t>
+              <a:t>30/10/2025</a:t>
             </a:fld>
             <a:endParaRPr lang="en-ID"/>
           </a:p>
@@ -1250,7 +1250,7 @@
           <a:p>
             <a:fld id="{FB6A871C-A964-499C-A15A-6ECACBA3A054}" type="datetimeFigureOut">
               <a:rPr lang="en-ID" smtClean="0"/>
-              <a:t>28/10/2025</a:t>
+              <a:t>30/10/2025</a:t>
             </a:fld>
             <a:endParaRPr lang="en-ID"/>
           </a:p>
@@ -1518,7 +1518,7 @@
           <a:p>
             <a:fld id="{FB6A871C-A964-499C-A15A-6ECACBA3A054}" type="datetimeFigureOut">
               <a:rPr lang="en-ID" smtClean="0"/>
-              <a:t>28/10/2025</a:t>
+              <a:t>30/10/2025</a:t>
             </a:fld>
             <a:endParaRPr lang="en-ID"/>
           </a:p>
@@ -1933,7 +1933,7 @@
           <a:p>
             <a:fld id="{FB6A871C-A964-499C-A15A-6ECACBA3A054}" type="datetimeFigureOut">
               <a:rPr lang="en-ID" smtClean="0"/>
-              <a:t>28/10/2025</a:t>
+              <a:t>30/10/2025</a:t>
             </a:fld>
             <a:endParaRPr lang="en-ID"/>
           </a:p>
@@ -2075,7 +2075,7 @@
           <a:p>
             <a:fld id="{FB6A871C-A964-499C-A15A-6ECACBA3A054}" type="datetimeFigureOut">
               <a:rPr lang="en-ID" smtClean="0"/>
-              <a:t>28/10/2025</a:t>
+              <a:t>30/10/2025</a:t>
             </a:fld>
             <a:endParaRPr lang="en-ID"/>
           </a:p>
@@ -2188,7 +2188,7 @@
           <a:p>
             <a:fld id="{FB6A871C-A964-499C-A15A-6ECACBA3A054}" type="datetimeFigureOut">
               <a:rPr lang="en-ID" smtClean="0"/>
-              <a:t>28/10/2025</a:t>
+              <a:t>30/10/2025</a:t>
             </a:fld>
             <a:endParaRPr lang="en-ID"/>
           </a:p>
@@ -2501,7 +2501,7 @@
           <a:p>
             <a:fld id="{FB6A871C-A964-499C-A15A-6ECACBA3A054}" type="datetimeFigureOut">
               <a:rPr lang="en-ID" smtClean="0"/>
-              <a:t>28/10/2025</a:t>
+              <a:t>30/10/2025</a:t>
             </a:fld>
             <a:endParaRPr lang="en-ID"/>
           </a:p>
@@ -2790,7 +2790,7 @@
           <a:p>
             <a:fld id="{FB6A871C-A964-499C-A15A-6ECACBA3A054}" type="datetimeFigureOut">
               <a:rPr lang="en-ID" smtClean="0"/>
-              <a:t>28/10/2025</a:t>
+              <a:t>30/10/2025</a:t>
             </a:fld>
             <a:endParaRPr lang="en-ID"/>
           </a:p>
@@ -3033,7 +3033,7 @@
           <a:p>
             <a:fld id="{FB6A871C-A964-499C-A15A-6ECACBA3A054}" type="datetimeFigureOut">
               <a:rPr lang="en-ID" smtClean="0"/>
-              <a:t>28/10/2025</a:t>
+              <a:t>30/10/2025</a:t>
             </a:fld>
             <a:endParaRPr lang="en-ID"/>
           </a:p>
@@ -3835,18 +3835,20 @@
               <a:lstStyle/>
               <a:p>
                 <a:r>
+                  <a:rPr lang="en-US" sz="3200" b="1">
+                    <a:latin typeface="Arial" panose="020B0604020202020204" pitchFamily="34" charset="0"/>
+                    <a:cs typeface="Arial" panose="020B0604020202020204" pitchFamily="34" charset="0"/>
+                  </a:rPr>
+                  <a:t>Backend Golang For </a:t>
+                </a:r>
+              </a:p>
+              <a:p>
+                <a:r>
                   <a:rPr lang="en-US" sz="3200" b="1" dirty="0">
                     <a:latin typeface="Arial" panose="020B0604020202020204" pitchFamily="34" charset="0"/>
                     <a:cs typeface="Arial" panose="020B0604020202020204" pitchFamily="34" charset="0"/>
                   </a:rPr>
-                  <a:t>Backend Go For Hydroponic System </a:t>
-                </a:r>
-                <a:r>
-                  <a:rPr lang="en-US" sz="3200" b="1">
-                    <a:latin typeface="Arial" panose="020B0604020202020204" pitchFamily="34" charset="0"/>
-                    <a:cs typeface="Arial" panose="020B0604020202020204" pitchFamily="34" charset="0"/>
-                  </a:rPr>
-                  <a:t>PART #5</a:t>
+                  <a:t>Hydroponic System</a:t>
                 </a:r>
                 <a:endParaRPr lang="en-ID" sz="3200" b="1" dirty="0">
                   <a:latin typeface="Arial" panose="020B0604020202020204" pitchFamily="34" charset="0"/>

--- a/thumbnail.pptx
+++ b/thumbnail.pptx
@@ -8,7 +8,8 @@
     <p:sldId id="256" r:id="rId2"/>
     <p:sldId id="257" r:id="rId3"/>
     <p:sldId id="259" r:id="rId4"/>
-    <p:sldId id="258" r:id="rId5"/>
+    <p:sldId id="260" r:id="rId5"/>
+    <p:sldId id="258" r:id="rId6"/>
   </p:sldIdLst>
   <p:sldSz cx="12192000" cy="6858000"/>
   <p:notesSz cx="6858000" cy="9144000"/>
@@ -364,7 +365,7 @@
           <a:p>
             <a:fld id="{FB6A871C-A964-499C-A15A-6ECACBA3A054}" type="datetimeFigureOut">
               <a:rPr lang="en-ID" smtClean="0"/>
-              <a:t>30/10/2025</a:t>
+              <a:t>13/11/2025</a:t>
             </a:fld>
             <a:endParaRPr lang="en-ID"/>
           </a:p>
@@ -564,7 +565,7 @@
           <a:p>
             <a:fld id="{FB6A871C-A964-499C-A15A-6ECACBA3A054}" type="datetimeFigureOut">
               <a:rPr lang="en-ID" smtClean="0"/>
-              <a:t>30/10/2025</a:t>
+              <a:t>13/11/2025</a:t>
             </a:fld>
             <a:endParaRPr lang="en-ID"/>
           </a:p>
@@ -774,7 +775,7 @@
           <a:p>
             <a:fld id="{FB6A871C-A964-499C-A15A-6ECACBA3A054}" type="datetimeFigureOut">
               <a:rPr lang="en-ID" smtClean="0"/>
-              <a:t>30/10/2025</a:t>
+              <a:t>13/11/2025</a:t>
             </a:fld>
             <a:endParaRPr lang="en-ID"/>
           </a:p>
@@ -974,7 +975,7 @@
           <a:p>
             <a:fld id="{FB6A871C-A964-499C-A15A-6ECACBA3A054}" type="datetimeFigureOut">
               <a:rPr lang="en-ID" smtClean="0"/>
-              <a:t>30/10/2025</a:t>
+              <a:t>13/11/2025</a:t>
             </a:fld>
             <a:endParaRPr lang="en-ID"/>
           </a:p>
@@ -1250,7 +1251,7 @@
           <a:p>
             <a:fld id="{FB6A871C-A964-499C-A15A-6ECACBA3A054}" type="datetimeFigureOut">
               <a:rPr lang="en-ID" smtClean="0"/>
-              <a:t>30/10/2025</a:t>
+              <a:t>13/11/2025</a:t>
             </a:fld>
             <a:endParaRPr lang="en-ID"/>
           </a:p>
@@ -1518,7 +1519,7 @@
           <a:p>
             <a:fld id="{FB6A871C-A964-499C-A15A-6ECACBA3A054}" type="datetimeFigureOut">
               <a:rPr lang="en-ID" smtClean="0"/>
-              <a:t>30/10/2025</a:t>
+              <a:t>13/11/2025</a:t>
             </a:fld>
             <a:endParaRPr lang="en-ID"/>
           </a:p>
@@ -1933,7 +1934,7 @@
           <a:p>
             <a:fld id="{FB6A871C-A964-499C-A15A-6ECACBA3A054}" type="datetimeFigureOut">
               <a:rPr lang="en-ID" smtClean="0"/>
-              <a:t>30/10/2025</a:t>
+              <a:t>13/11/2025</a:t>
             </a:fld>
             <a:endParaRPr lang="en-ID"/>
           </a:p>
@@ -2075,7 +2076,7 @@
           <a:p>
             <a:fld id="{FB6A871C-A964-499C-A15A-6ECACBA3A054}" type="datetimeFigureOut">
               <a:rPr lang="en-ID" smtClean="0"/>
-              <a:t>30/10/2025</a:t>
+              <a:t>13/11/2025</a:t>
             </a:fld>
             <a:endParaRPr lang="en-ID"/>
           </a:p>
@@ -2188,7 +2189,7 @@
           <a:p>
             <a:fld id="{FB6A871C-A964-499C-A15A-6ECACBA3A054}" type="datetimeFigureOut">
               <a:rPr lang="en-ID" smtClean="0"/>
-              <a:t>30/10/2025</a:t>
+              <a:t>13/11/2025</a:t>
             </a:fld>
             <a:endParaRPr lang="en-ID"/>
           </a:p>
@@ -2501,7 +2502,7 @@
           <a:p>
             <a:fld id="{FB6A871C-A964-499C-A15A-6ECACBA3A054}" type="datetimeFigureOut">
               <a:rPr lang="en-ID" smtClean="0"/>
-              <a:t>30/10/2025</a:t>
+              <a:t>13/11/2025</a:t>
             </a:fld>
             <a:endParaRPr lang="en-ID"/>
           </a:p>
@@ -2790,7 +2791,7 @@
           <a:p>
             <a:fld id="{FB6A871C-A964-499C-A15A-6ECACBA3A054}" type="datetimeFigureOut">
               <a:rPr lang="en-ID" smtClean="0"/>
-              <a:t>30/10/2025</a:t>
+              <a:t>13/11/2025</a:t>
             </a:fld>
             <a:endParaRPr lang="en-ID"/>
           </a:p>
@@ -3033,7 +3034,7 @@
           <a:p>
             <a:fld id="{FB6A871C-A964-499C-A15A-6ECACBA3A054}" type="datetimeFigureOut">
               <a:rPr lang="en-ID" smtClean="0"/>
-              <a:t>30/10/2025</a:t>
+              <a:t>13/11/2025</a:t>
             </a:fld>
             <a:endParaRPr lang="en-ID"/>
           </a:p>
@@ -3909,6 +3910,300 @@
 </file>
 
 <file path=ppt/slides/slide4.xml><?xml version="1.0" encoding="utf-8"?>
+<p:sld xmlns:a="http://schemas.openxmlformats.org/drawingml/2006/main" xmlns:r="http://schemas.openxmlformats.org/officeDocument/2006/relationships" xmlns:p="http://schemas.openxmlformats.org/presentationml/2006/main">
+  <p:cSld>
+    <p:spTree>
+      <p:nvGrpSpPr>
+        <p:cNvPr id="1" name="">
+          <a:extLst>
+            <a:ext uri="{FF2B5EF4-FFF2-40B4-BE49-F238E27FC236}">
+              <a16:creationId xmlns:a16="http://schemas.microsoft.com/office/drawing/2014/main" id="{7C3AF85D-8CE4-3571-7CD6-7CB3D0461BA9}"/>
+            </a:ext>
+          </a:extLst>
+        </p:cNvPr>
+        <p:cNvGrpSpPr/>
+        <p:nvPr/>
+      </p:nvGrpSpPr>
+      <p:grpSpPr>
+        <a:xfrm>
+          <a:off x="0" y="0"/>
+          <a:ext cx="0" cy="0"/>
+          <a:chOff x="0" y="0"/>
+          <a:chExt cx="0" cy="0"/>
+        </a:xfrm>
+      </p:grpSpPr>
+      <p:grpSp>
+        <p:nvGrpSpPr>
+          <p:cNvPr id="12" name="Group 11">
+            <a:extLst>
+              <a:ext uri="{FF2B5EF4-FFF2-40B4-BE49-F238E27FC236}">
+                <a16:creationId xmlns:a16="http://schemas.microsoft.com/office/drawing/2014/main" id="{B5DA5164-88A2-B3D1-B79F-12CA369D4887}"/>
+              </a:ext>
+            </a:extLst>
+          </p:cNvPr>
+          <p:cNvGrpSpPr/>
+          <p:nvPr/>
+        </p:nvGrpSpPr>
+        <p:grpSpPr>
+          <a:xfrm>
+            <a:off x="2856000" y="1079770"/>
+            <a:ext cx="6480000" cy="5040000"/>
+            <a:chOff x="2856000" y="1079770"/>
+            <a:chExt cx="6480000" cy="5040000"/>
+          </a:xfrm>
+        </p:grpSpPr>
+        <p:grpSp>
+          <p:nvGrpSpPr>
+            <p:cNvPr id="2" name="Group 1">
+              <a:extLst>
+                <a:ext uri="{FF2B5EF4-FFF2-40B4-BE49-F238E27FC236}">
+                  <a16:creationId xmlns:a16="http://schemas.microsoft.com/office/drawing/2014/main" id="{CF5CD15C-D39B-1742-3B84-5B07B777D43D}"/>
+                </a:ext>
+              </a:extLst>
+            </p:cNvPr>
+            <p:cNvGrpSpPr/>
+            <p:nvPr/>
+          </p:nvGrpSpPr>
+          <p:grpSpPr>
+            <a:xfrm>
+              <a:off x="2856000" y="1079770"/>
+              <a:ext cx="6480000" cy="5040000"/>
+              <a:chOff x="2856000" y="1079770"/>
+              <a:chExt cx="6480000" cy="5040000"/>
+            </a:xfrm>
+          </p:grpSpPr>
+          <p:pic>
+            <p:nvPicPr>
+              <p:cNvPr id="5" name="Picture 4" descr="A close-up of a plant&#10;&#10;AI-generated content may be incorrect.">
+                <a:extLst>
+                  <a:ext uri="{FF2B5EF4-FFF2-40B4-BE49-F238E27FC236}">
+                    <a16:creationId xmlns:a16="http://schemas.microsoft.com/office/drawing/2014/main" id="{5CAAF545-C732-379A-B937-DE32E747BFED}"/>
+                  </a:ext>
+                </a:extLst>
+              </p:cNvPr>
+              <p:cNvPicPr>
+                <a:picLocks noChangeAspect="1"/>
+              </p:cNvPicPr>
+              <p:nvPr/>
+            </p:nvPicPr>
+            <p:blipFill>
+              <a:blip r:embed="rId2">
+                <a:extLst>
+                  <a:ext uri="{28A0092B-C50C-407E-A947-70E740481C1C}">
+                    <a14:useLocalDpi xmlns:a14="http://schemas.microsoft.com/office/drawing/2010/main" val="0"/>
+                  </a:ext>
+                </a:extLst>
+              </a:blip>
+              <a:stretch>
+                <a:fillRect/>
+              </a:stretch>
+            </p:blipFill>
+            <p:spPr>
+              <a:xfrm>
+                <a:off x="2856000" y="1079770"/>
+                <a:ext cx="6480000" cy="5040000"/>
+              </a:xfrm>
+              <a:prstGeom prst="rect">
+                <a:avLst/>
+              </a:prstGeom>
+            </p:spPr>
+          </p:pic>
+          <p:sp>
+            <p:nvSpPr>
+              <p:cNvPr id="8" name="TextBox 7">
+                <a:extLst>
+                  <a:ext uri="{FF2B5EF4-FFF2-40B4-BE49-F238E27FC236}">
+                    <a16:creationId xmlns:a16="http://schemas.microsoft.com/office/drawing/2014/main" id="{3ADE6819-01D7-915D-670D-DCA43443CDC0}"/>
+                  </a:ext>
+                </a:extLst>
+              </p:cNvPr>
+              <p:cNvSpPr txBox="1"/>
+              <p:nvPr/>
+            </p:nvSpPr>
+            <p:spPr>
+              <a:xfrm>
+                <a:off x="2892425" y="1616075"/>
+                <a:ext cx="5808554" cy="1077218"/>
+              </a:xfrm>
+              <a:prstGeom prst="rect">
+                <a:avLst/>
+              </a:prstGeom>
+              <a:noFill/>
+            </p:spPr>
+            <p:txBody>
+              <a:bodyPr wrap="square" rtlCol="0">
+                <a:spAutoFit/>
+              </a:bodyPr>
+              <a:lstStyle/>
+              <a:p>
+                <a:r>
+                  <a:rPr lang="en-US" sz="3200" b="1" dirty="0">
+                    <a:latin typeface="Arial" panose="020B0604020202020204" pitchFamily="34" charset="0"/>
+                    <a:cs typeface="Arial" panose="020B0604020202020204" pitchFamily="34" charset="0"/>
+                  </a:rPr>
+                  <a:t>Wireframe For Hydroponic System</a:t>
+                </a:r>
+                <a:endParaRPr lang="en-ID" sz="3200" b="1" dirty="0">
+                  <a:latin typeface="Arial" panose="020B0604020202020204" pitchFamily="34" charset="0"/>
+                  <a:cs typeface="Arial" panose="020B0604020202020204" pitchFamily="34" charset="0"/>
+                </a:endParaRPr>
+              </a:p>
+            </p:txBody>
+          </p:sp>
+        </p:grpSp>
+        <p:sp>
+          <p:nvSpPr>
+            <p:cNvPr id="3" name="Rectangle 2">
+              <a:extLst>
+                <a:ext uri="{FF2B5EF4-FFF2-40B4-BE49-F238E27FC236}">
+                  <a16:creationId xmlns:a16="http://schemas.microsoft.com/office/drawing/2014/main" id="{2626DA50-F00C-7846-1058-F7B1D9B8F76E}"/>
+                </a:ext>
+              </a:extLst>
+            </p:cNvPr>
+            <p:cNvSpPr/>
+            <p:nvPr/>
+          </p:nvSpPr>
+          <p:spPr>
+            <a:xfrm>
+              <a:off x="3476625" y="2924176"/>
+              <a:ext cx="1933575" cy="2438400"/>
+            </a:xfrm>
+            <a:prstGeom prst="rect">
+              <a:avLst/>
+            </a:prstGeom>
+            <a:solidFill>
+              <a:schemeClr val="bg2">
+                <a:lumMod val="90000"/>
+              </a:schemeClr>
+            </a:solidFill>
+            <a:ln>
+              <a:solidFill>
+                <a:schemeClr val="tx1"/>
+              </a:solidFill>
+            </a:ln>
+          </p:spPr>
+          <p:style>
+            <a:lnRef idx="2">
+              <a:schemeClr val="accent1">
+                <a:shade val="15000"/>
+              </a:schemeClr>
+            </a:lnRef>
+            <a:fillRef idx="1">
+              <a:schemeClr val="accent1"/>
+            </a:fillRef>
+            <a:effectRef idx="0">
+              <a:schemeClr val="accent1"/>
+            </a:effectRef>
+            <a:fontRef idx="minor">
+              <a:schemeClr val="lt1"/>
+            </a:fontRef>
+          </p:style>
+          <p:txBody>
+            <a:bodyPr rtlCol="0" anchor="ctr"/>
+            <a:lstStyle/>
+            <a:p>
+              <a:pPr algn="ctr"/>
+              <a:endParaRPr lang="en-ID"/>
+            </a:p>
+          </p:txBody>
+        </p:sp>
+        <p:cxnSp>
+          <p:nvCxnSpPr>
+            <p:cNvPr id="9" name="Straight Connector 8">
+              <a:extLst>
+                <a:ext uri="{FF2B5EF4-FFF2-40B4-BE49-F238E27FC236}">
+                  <a16:creationId xmlns:a16="http://schemas.microsoft.com/office/drawing/2014/main" id="{79976E5A-3920-D20D-E74F-6D9957F8F5B0}"/>
+                </a:ext>
+              </a:extLst>
+            </p:cNvPr>
+            <p:cNvCxnSpPr/>
+            <p:nvPr/>
+          </p:nvCxnSpPr>
+          <p:spPr>
+            <a:xfrm>
+              <a:off x="3476625" y="2924176"/>
+              <a:ext cx="1933575" cy="2438400"/>
+            </a:xfrm>
+            <a:prstGeom prst="line">
+              <a:avLst/>
+            </a:prstGeom>
+            <a:ln>
+              <a:solidFill>
+                <a:schemeClr val="tx1"/>
+              </a:solidFill>
+            </a:ln>
+          </p:spPr>
+          <p:style>
+            <a:lnRef idx="2">
+              <a:schemeClr val="accent1"/>
+            </a:lnRef>
+            <a:fillRef idx="0">
+              <a:schemeClr val="accent1"/>
+            </a:fillRef>
+            <a:effectRef idx="1">
+              <a:schemeClr val="accent1"/>
+            </a:effectRef>
+            <a:fontRef idx="minor">
+              <a:schemeClr val="tx1"/>
+            </a:fontRef>
+          </p:style>
+        </p:cxnSp>
+        <p:cxnSp>
+          <p:nvCxnSpPr>
+            <p:cNvPr id="11" name="Straight Connector 10">
+              <a:extLst>
+                <a:ext uri="{FF2B5EF4-FFF2-40B4-BE49-F238E27FC236}">
+                  <a16:creationId xmlns:a16="http://schemas.microsoft.com/office/drawing/2014/main" id="{53462671-960F-B9E9-6627-871796E87731}"/>
+                </a:ext>
+              </a:extLst>
+            </p:cNvPr>
+            <p:cNvCxnSpPr/>
+            <p:nvPr/>
+          </p:nvCxnSpPr>
+          <p:spPr>
+            <a:xfrm flipH="1">
+              <a:off x="3476625" y="2924176"/>
+              <a:ext cx="1933575" cy="2438400"/>
+            </a:xfrm>
+            <a:prstGeom prst="line">
+              <a:avLst/>
+            </a:prstGeom>
+            <a:ln>
+              <a:solidFill>
+                <a:schemeClr val="tx1"/>
+              </a:solidFill>
+            </a:ln>
+          </p:spPr>
+          <p:style>
+            <a:lnRef idx="2">
+              <a:schemeClr val="accent1"/>
+            </a:lnRef>
+            <a:fillRef idx="0">
+              <a:schemeClr val="accent1"/>
+            </a:fillRef>
+            <a:effectRef idx="1">
+              <a:schemeClr val="accent1"/>
+            </a:effectRef>
+            <a:fontRef idx="minor">
+              <a:schemeClr val="tx1"/>
+            </a:fontRef>
+          </p:style>
+        </p:cxnSp>
+      </p:grpSp>
+    </p:spTree>
+    <p:extLst>
+      <p:ext uri="{BB962C8B-B14F-4D97-AF65-F5344CB8AC3E}">
+        <p14:creationId xmlns:p14="http://schemas.microsoft.com/office/powerpoint/2010/main" val="1645571935"/>
+      </p:ext>
+    </p:extLst>
+  </p:cSld>
+  <p:clrMapOvr>
+    <a:masterClrMapping/>
+  </p:clrMapOvr>
+</p:sld>
+</file>
+
+<file path=ppt/slides/slide5.xml><?xml version="1.0" encoding="utf-8"?>
 <p:sld xmlns:a="http://schemas.openxmlformats.org/drawingml/2006/main" xmlns:r="http://schemas.openxmlformats.org/officeDocument/2006/relationships" xmlns:p="http://schemas.openxmlformats.org/presentationml/2006/main">
   <p:cSld>
     <p:spTree>
